--- a/ppt 16-9/1029.耶和华的膀臂.pptx
+++ b/ppt 16-9/1029.耶和华的膀臂.pptx
@@ -5,7 +5,7 @@
     <p:sldMasterId id="2147483648" r:id="rId1"/>
   </p:sldMasterIdLst>
   <p:sldIdLst>
-    <p:sldId id="457" r:id="rId2"/>
+    <p:sldId id="458" r:id="rId2"/>
   </p:sldIdLst>
   <p:sldSz cx="12192000" cy="6858000"/>
   <p:notesSz cx="6858000" cy="9144000"/>
@@ -129,7 +129,7 @@
           <p:cNvPr id="2" name="标题 1">
             <a:extLst>
               <a:ext uri="{FF2B5EF4-FFF2-40B4-BE49-F238E27FC236}">
-                <a16:creationId xmlns:a16="http://schemas.microsoft.com/office/drawing/2014/main" id="{119914B8-B77D-F3EF-C94B-C58B25D251F9}"/>
+                <a16:creationId xmlns:a16="http://schemas.microsoft.com/office/drawing/2014/main" id="{CF7EE814-E585-520C-94C6-74CEDE37595D}"/>
               </a:ext>
             </a:extLst>
           </p:cNvPr>
@@ -166,7 +166,7 @@
           <p:cNvPr id="3" name="副标题 2">
             <a:extLst>
               <a:ext uri="{FF2B5EF4-FFF2-40B4-BE49-F238E27FC236}">
-                <a16:creationId xmlns:a16="http://schemas.microsoft.com/office/drawing/2014/main" id="{6DC2ABAD-F4FC-3C60-CF3E-966D0E8A82EF}"/>
+                <a16:creationId xmlns:a16="http://schemas.microsoft.com/office/drawing/2014/main" id="{1D06CF6F-86D7-E561-673C-F01EBE16C7AD}"/>
               </a:ext>
             </a:extLst>
           </p:cNvPr>
@@ -236,7 +236,7 @@
           <p:cNvPr id="4" name="日期占位符 3">
             <a:extLst>
               <a:ext uri="{FF2B5EF4-FFF2-40B4-BE49-F238E27FC236}">
-                <a16:creationId xmlns:a16="http://schemas.microsoft.com/office/drawing/2014/main" id="{88724521-D19D-7E28-7E69-7133B550A33C}"/>
+                <a16:creationId xmlns:a16="http://schemas.microsoft.com/office/drawing/2014/main" id="{275364C3-EA27-00FB-9BC5-200EF3ADD5B6}"/>
               </a:ext>
             </a:extLst>
           </p:cNvPr>
@@ -252,7 +252,7 @@
           <a:bodyPr/>
           <a:lstStyle/>
           <a:p>
-            <a:fld id="{92A1D76D-FE25-4F52-928B-CB99086DC837}" type="datetimeFigureOut">
+            <a:fld id="{4066E83F-27FD-489E-9F8C-F8E6B28E539F}" type="datetimeFigureOut">
               <a:rPr lang="zh-CN" altLang="en-US" smtClean="0"/>
               <a:t>2024/3/10</a:t>
             </a:fld>
@@ -265,7 +265,7 @@
           <p:cNvPr id="5" name="页脚占位符 4">
             <a:extLst>
               <a:ext uri="{FF2B5EF4-FFF2-40B4-BE49-F238E27FC236}">
-                <a16:creationId xmlns:a16="http://schemas.microsoft.com/office/drawing/2014/main" id="{55735032-4EEB-7ECB-E269-7E6CBF61B3BD}"/>
+                <a16:creationId xmlns:a16="http://schemas.microsoft.com/office/drawing/2014/main" id="{67E9FEF8-CABE-3876-676E-784AACDA0435}"/>
               </a:ext>
             </a:extLst>
           </p:cNvPr>
@@ -290,7 +290,7 @@
           <p:cNvPr id="6" name="灯片编号占位符 5">
             <a:extLst>
               <a:ext uri="{FF2B5EF4-FFF2-40B4-BE49-F238E27FC236}">
-                <a16:creationId xmlns:a16="http://schemas.microsoft.com/office/drawing/2014/main" id="{6ACDE6A6-D3CA-4499-5B6B-3D751EA6B0AE}"/>
+                <a16:creationId xmlns:a16="http://schemas.microsoft.com/office/drawing/2014/main" id="{F77BC15F-7C8F-3DD4-006C-1256115DFA1E}"/>
               </a:ext>
             </a:extLst>
           </p:cNvPr>
@@ -306,7 +306,7 @@
           <a:bodyPr/>
           <a:lstStyle/>
           <a:p>
-            <a:fld id="{B9A1E2AB-9E9F-4C67-A6C2-F332909A542C}" type="slidenum">
+            <a:fld id="{41A9DA7D-2BD2-403E-B875-3A4FB853970D}" type="slidenum">
               <a:rPr lang="zh-CN" altLang="en-US" smtClean="0"/>
               <a:t>‹#›</a:t>
             </a:fld>
@@ -317,7 +317,7 @@
     </p:spTree>
     <p:extLst>
       <p:ext uri="{BB962C8B-B14F-4D97-AF65-F5344CB8AC3E}">
-        <p14:creationId xmlns:p14="http://schemas.microsoft.com/office/powerpoint/2010/main" val="4248291838"/>
+        <p14:creationId xmlns:p14="http://schemas.microsoft.com/office/powerpoint/2010/main" val="728018286"/>
       </p:ext>
     </p:extLst>
   </p:cSld>
@@ -349,7 +349,7 @@
           <p:cNvPr id="2" name="标题 1">
             <a:extLst>
               <a:ext uri="{FF2B5EF4-FFF2-40B4-BE49-F238E27FC236}">
-                <a16:creationId xmlns:a16="http://schemas.microsoft.com/office/drawing/2014/main" id="{94771D8E-0FAE-DD53-E5C0-5C37524C13B7}"/>
+                <a16:creationId xmlns:a16="http://schemas.microsoft.com/office/drawing/2014/main" id="{EF42A6C7-F18F-9AE2-DF6D-6F4DEEF40B0A}"/>
               </a:ext>
             </a:extLst>
           </p:cNvPr>
@@ -377,7 +377,7 @@
           <p:cNvPr id="3" name="竖排文字占位符 2">
             <a:extLst>
               <a:ext uri="{FF2B5EF4-FFF2-40B4-BE49-F238E27FC236}">
-                <a16:creationId xmlns:a16="http://schemas.microsoft.com/office/drawing/2014/main" id="{C8A27675-470A-AA86-3055-4DE492C19087}"/>
+                <a16:creationId xmlns:a16="http://schemas.microsoft.com/office/drawing/2014/main" id="{925064F7-0686-FD0C-8769-493EEDF0966A}"/>
               </a:ext>
             </a:extLst>
           </p:cNvPr>
@@ -434,7 +434,7 @@
           <p:cNvPr id="4" name="日期占位符 3">
             <a:extLst>
               <a:ext uri="{FF2B5EF4-FFF2-40B4-BE49-F238E27FC236}">
-                <a16:creationId xmlns:a16="http://schemas.microsoft.com/office/drawing/2014/main" id="{0D7D7E8C-AE7E-0F40-1567-A2F396A59ED0}"/>
+                <a16:creationId xmlns:a16="http://schemas.microsoft.com/office/drawing/2014/main" id="{D6653BBF-18CE-B07C-8179-B3A99B84B4A2}"/>
               </a:ext>
             </a:extLst>
           </p:cNvPr>
@@ -450,7 +450,7 @@
           <a:bodyPr/>
           <a:lstStyle/>
           <a:p>
-            <a:fld id="{92A1D76D-FE25-4F52-928B-CB99086DC837}" type="datetimeFigureOut">
+            <a:fld id="{4066E83F-27FD-489E-9F8C-F8E6B28E539F}" type="datetimeFigureOut">
               <a:rPr lang="zh-CN" altLang="en-US" smtClean="0"/>
               <a:t>2024/3/10</a:t>
             </a:fld>
@@ -463,7 +463,7 @@
           <p:cNvPr id="5" name="页脚占位符 4">
             <a:extLst>
               <a:ext uri="{FF2B5EF4-FFF2-40B4-BE49-F238E27FC236}">
-                <a16:creationId xmlns:a16="http://schemas.microsoft.com/office/drawing/2014/main" id="{E71F6131-7E40-ED01-3D87-3CB11C3DB0C2}"/>
+                <a16:creationId xmlns:a16="http://schemas.microsoft.com/office/drawing/2014/main" id="{ECA989EB-1691-2A28-0F13-82A84C459EFF}"/>
               </a:ext>
             </a:extLst>
           </p:cNvPr>
@@ -488,7 +488,7 @@
           <p:cNvPr id="6" name="灯片编号占位符 5">
             <a:extLst>
               <a:ext uri="{FF2B5EF4-FFF2-40B4-BE49-F238E27FC236}">
-                <a16:creationId xmlns:a16="http://schemas.microsoft.com/office/drawing/2014/main" id="{2C86200E-A754-FF49-A39C-23F2A06952EE}"/>
+                <a16:creationId xmlns:a16="http://schemas.microsoft.com/office/drawing/2014/main" id="{5AA6CF0D-E24D-A3E2-4A32-1C769DD51D53}"/>
               </a:ext>
             </a:extLst>
           </p:cNvPr>
@@ -504,7 +504,7 @@
           <a:bodyPr/>
           <a:lstStyle/>
           <a:p>
-            <a:fld id="{B9A1E2AB-9E9F-4C67-A6C2-F332909A542C}" type="slidenum">
+            <a:fld id="{41A9DA7D-2BD2-403E-B875-3A4FB853970D}" type="slidenum">
               <a:rPr lang="zh-CN" altLang="en-US" smtClean="0"/>
               <a:t>‹#›</a:t>
             </a:fld>
@@ -515,7 +515,7 @@
     </p:spTree>
     <p:extLst>
       <p:ext uri="{BB962C8B-B14F-4D97-AF65-F5344CB8AC3E}">
-        <p14:creationId xmlns:p14="http://schemas.microsoft.com/office/powerpoint/2010/main" val="3127965170"/>
+        <p14:creationId xmlns:p14="http://schemas.microsoft.com/office/powerpoint/2010/main" val="1736355531"/>
       </p:ext>
     </p:extLst>
   </p:cSld>
@@ -547,7 +547,7 @@
           <p:cNvPr id="2" name="竖排标题 1">
             <a:extLst>
               <a:ext uri="{FF2B5EF4-FFF2-40B4-BE49-F238E27FC236}">
-                <a16:creationId xmlns:a16="http://schemas.microsoft.com/office/drawing/2014/main" id="{3CCFBFEE-928A-AC16-47E9-6899C16A45C0}"/>
+                <a16:creationId xmlns:a16="http://schemas.microsoft.com/office/drawing/2014/main" id="{E8EFFD38-C42D-38EA-75A5-D80006E064AC}"/>
               </a:ext>
             </a:extLst>
           </p:cNvPr>
@@ -580,7 +580,7 @@
           <p:cNvPr id="3" name="竖排文字占位符 2">
             <a:extLst>
               <a:ext uri="{FF2B5EF4-FFF2-40B4-BE49-F238E27FC236}">
-                <a16:creationId xmlns:a16="http://schemas.microsoft.com/office/drawing/2014/main" id="{A57E1045-EB2C-D609-DD5D-43C3FE767D33}"/>
+                <a16:creationId xmlns:a16="http://schemas.microsoft.com/office/drawing/2014/main" id="{8277AD81-11E3-B473-ABE8-F2C97EA2F713}"/>
               </a:ext>
             </a:extLst>
           </p:cNvPr>
@@ -642,7 +642,7 @@
           <p:cNvPr id="4" name="日期占位符 3">
             <a:extLst>
               <a:ext uri="{FF2B5EF4-FFF2-40B4-BE49-F238E27FC236}">
-                <a16:creationId xmlns:a16="http://schemas.microsoft.com/office/drawing/2014/main" id="{5D6046C9-A92E-119D-7BAF-7C1961EC5934}"/>
+                <a16:creationId xmlns:a16="http://schemas.microsoft.com/office/drawing/2014/main" id="{E180A2ED-AE68-0F06-D957-1E0D9F67E4C2}"/>
               </a:ext>
             </a:extLst>
           </p:cNvPr>
@@ -658,7 +658,7 @@
           <a:bodyPr/>
           <a:lstStyle/>
           <a:p>
-            <a:fld id="{92A1D76D-FE25-4F52-928B-CB99086DC837}" type="datetimeFigureOut">
+            <a:fld id="{4066E83F-27FD-489E-9F8C-F8E6B28E539F}" type="datetimeFigureOut">
               <a:rPr lang="zh-CN" altLang="en-US" smtClean="0"/>
               <a:t>2024/3/10</a:t>
             </a:fld>
@@ -671,7 +671,7 @@
           <p:cNvPr id="5" name="页脚占位符 4">
             <a:extLst>
               <a:ext uri="{FF2B5EF4-FFF2-40B4-BE49-F238E27FC236}">
-                <a16:creationId xmlns:a16="http://schemas.microsoft.com/office/drawing/2014/main" id="{48ABBB7D-641B-41BC-84A7-88E4A234F29F}"/>
+                <a16:creationId xmlns:a16="http://schemas.microsoft.com/office/drawing/2014/main" id="{5A8C3B25-E798-4088-B972-6A5DCB29844E}"/>
               </a:ext>
             </a:extLst>
           </p:cNvPr>
@@ -696,7 +696,7 @@
           <p:cNvPr id="6" name="灯片编号占位符 5">
             <a:extLst>
               <a:ext uri="{FF2B5EF4-FFF2-40B4-BE49-F238E27FC236}">
-                <a16:creationId xmlns:a16="http://schemas.microsoft.com/office/drawing/2014/main" id="{3B2FC418-40F4-7926-CE09-D576AD1EBC91}"/>
+                <a16:creationId xmlns:a16="http://schemas.microsoft.com/office/drawing/2014/main" id="{4DC1E780-3CAB-58BB-74B1-F76084DA582C}"/>
               </a:ext>
             </a:extLst>
           </p:cNvPr>
@@ -712,7 +712,7 @@
           <a:bodyPr/>
           <a:lstStyle/>
           <a:p>
-            <a:fld id="{B9A1E2AB-9E9F-4C67-A6C2-F332909A542C}" type="slidenum">
+            <a:fld id="{41A9DA7D-2BD2-403E-B875-3A4FB853970D}" type="slidenum">
               <a:rPr lang="zh-CN" altLang="en-US" smtClean="0"/>
               <a:t>‹#›</a:t>
             </a:fld>
@@ -723,7 +723,7 @@
     </p:spTree>
     <p:extLst>
       <p:ext uri="{BB962C8B-B14F-4D97-AF65-F5344CB8AC3E}">
-        <p14:creationId xmlns:p14="http://schemas.microsoft.com/office/powerpoint/2010/main" val="615836029"/>
+        <p14:creationId xmlns:p14="http://schemas.microsoft.com/office/powerpoint/2010/main" val="1023667690"/>
       </p:ext>
     </p:extLst>
   </p:cSld>
@@ -755,7 +755,7 @@
           <p:cNvPr id="2" name="标题 1">
             <a:extLst>
               <a:ext uri="{FF2B5EF4-FFF2-40B4-BE49-F238E27FC236}">
-                <a16:creationId xmlns:a16="http://schemas.microsoft.com/office/drawing/2014/main" id="{ABF84005-3066-F122-ECA6-69010189C129}"/>
+                <a16:creationId xmlns:a16="http://schemas.microsoft.com/office/drawing/2014/main" id="{37CBE2F5-8DB4-F8C2-A4E3-9921C9C57A2A}"/>
               </a:ext>
             </a:extLst>
           </p:cNvPr>
@@ -783,7 +783,7 @@
           <p:cNvPr id="3" name="内容占位符 2">
             <a:extLst>
               <a:ext uri="{FF2B5EF4-FFF2-40B4-BE49-F238E27FC236}">
-                <a16:creationId xmlns:a16="http://schemas.microsoft.com/office/drawing/2014/main" id="{CA183F69-8862-09BE-4204-C43EC2A5ED27}"/>
+                <a16:creationId xmlns:a16="http://schemas.microsoft.com/office/drawing/2014/main" id="{0417B73E-F5B0-917C-F294-F86D832CCDD5}"/>
               </a:ext>
             </a:extLst>
           </p:cNvPr>
@@ -840,7 +840,7 @@
           <p:cNvPr id="4" name="日期占位符 3">
             <a:extLst>
               <a:ext uri="{FF2B5EF4-FFF2-40B4-BE49-F238E27FC236}">
-                <a16:creationId xmlns:a16="http://schemas.microsoft.com/office/drawing/2014/main" id="{3C71BC87-9BC7-9EA7-B458-1C68ABAEEB02}"/>
+                <a16:creationId xmlns:a16="http://schemas.microsoft.com/office/drawing/2014/main" id="{5AF1B5EC-37EC-5252-E0DE-CC6108B86ABC}"/>
               </a:ext>
             </a:extLst>
           </p:cNvPr>
@@ -856,7 +856,7 @@
           <a:bodyPr/>
           <a:lstStyle/>
           <a:p>
-            <a:fld id="{92A1D76D-FE25-4F52-928B-CB99086DC837}" type="datetimeFigureOut">
+            <a:fld id="{4066E83F-27FD-489E-9F8C-F8E6B28E539F}" type="datetimeFigureOut">
               <a:rPr lang="zh-CN" altLang="en-US" smtClean="0"/>
               <a:t>2024/3/10</a:t>
             </a:fld>
@@ -869,7 +869,7 @@
           <p:cNvPr id="5" name="页脚占位符 4">
             <a:extLst>
               <a:ext uri="{FF2B5EF4-FFF2-40B4-BE49-F238E27FC236}">
-                <a16:creationId xmlns:a16="http://schemas.microsoft.com/office/drawing/2014/main" id="{93D3F7C7-2D65-4359-F18C-FC2F39D49984}"/>
+                <a16:creationId xmlns:a16="http://schemas.microsoft.com/office/drawing/2014/main" id="{B6417443-89A0-528D-F994-0CD38F4E72EA}"/>
               </a:ext>
             </a:extLst>
           </p:cNvPr>
@@ -894,7 +894,7 @@
           <p:cNvPr id="6" name="灯片编号占位符 5">
             <a:extLst>
               <a:ext uri="{FF2B5EF4-FFF2-40B4-BE49-F238E27FC236}">
-                <a16:creationId xmlns:a16="http://schemas.microsoft.com/office/drawing/2014/main" id="{FF2F9A66-AA60-C8D1-84D1-5158029FCA6E}"/>
+                <a16:creationId xmlns:a16="http://schemas.microsoft.com/office/drawing/2014/main" id="{30C50D07-4E80-CF62-247C-50ECDABA54EA}"/>
               </a:ext>
             </a:extLst>
           </p:cNvPr>
@@ -910,7 +910,7 @@
           <a:bodyPr/>
           <a:lstStyle/>
           <a:p>
-            <a:fld id="{B9A1E2AB-9E9F-4C67-A6C2-F332909A542C}" type="slidenum">
+            <a:fld id="{41A9DA7D-2BD2-403E-B875-3A4FB853970D}" type="slidenum">
               <a:rPr lang="zh-CN" altLang="en-US" smtClean="0"/>
               <a:t>‹#›</a:t>
             </a:fld>
@@ -921,7 +921,7 @@
     </p:spTree>
     <p:extLst>
       <p:ext uri="{BB962C8B-B14F-4D97-AF65-F5344CB8AC3E}">
-        <p14:creationId xmlns:p14="http://schemas.microsoft.com/office/powerpoint/2010/main" val="3462996111"/>
+        <p14:creationId xmlns:p14="http://schemas.microsoft.com/office/powerpoint/2010/main" val="3368385836"/>
       </p:ext>
     </p:extLst>
   </p:cSld>
@@ -953,7 +953,7 @@
           <p:cNvPr id="2" name="标题 1">
             <a:extLst>
               <a:ext uri="{FF2B5EF4-FFF2-40B4-BE49-F238E27FC236}">
-                <a16:creationId xmlns:a16="http://schemas.microsoft.com/office/drawing/2014/main" id="{EEEFC999-E975-2AFA-D3EE-C905640521FC}"/>
+                <a16:creationId xmlns:a16="http://schemas.microsoft.com/office/drawing/2014/main" id="{B265959F-8916-28F2-FE11-A72A6E07A522}"/>
               </a:ext>
             </a:extLst>
           </p:cNvPr>
@@ -990,7 +990,7 @@
           <p:cNvPr id="3" name="文本占位符 2">
             <a:extLst>
               <a:ext uri="{FF2B5EF4-FFF2-40B4-BE49-F238E27FC236}">
-                <a16:creationId xmlns:a16="http://schemas.microsoft.com/office/drawing/2014/main" id="{118F1C0D-9F58-34AE-EE4E-789740AC08A4}"/>
+                <a16:creationId xmlns:a16="http://schemas.microsoft.com/office/drawing/2014/main" id="{C9A1F68A-AF75-71A4-AA01-483295C6227B}"/>
               </a:ext>
             </a:extLst>
           </p:cNvPr>
@@ -1115,7 +1115,7 @@
           <p:cNvPr id="4" name="日期占位符 3">
             <a:extLst>
               <a:ext uri="{FF2B5EF4-FFF2-40B4-BE49-F238E27FC236}">
-                <a16:creationId xmlns:a16="http://schemas.microsoft.com/office/drawing/2014/main" id="{D25F8112-295A-BDE9-84E3-5AE3DBE614ED}"/>
+                <a16:creationId xmlns:a16="http://schemas.microsoft.com/office/drawing/2014/main" id="{A9746363-79EF-B461-42E0-BA4390C30FCE}"/>
               </a:ext>
             </a:extLst>
           </p:cNvPr>
@@ -1131,7 +1131,7 @@
           <a:bodyPr/>
           <a:lstStyle/>
           <a:p>
-            <a:fld id="{92A1D76D-FE25-4F52-928B-CB99086DC837}" type="datetimeFigureOut">
+            <a:fld id="{4066E83F-27FD-489E-9F8C-F8E6B28E539F}" type="datetimeFigureOut">
               <a:rPr lang="zh-CN" altLang="en-US" smtClean="0"/>
               <a:t>2024/3/10</a:t>
             </a:fld>
@@ -1144,7 +1144,7 @@
           <p:cNvPr id="5" name="页脚占位符 4">
             <a:extLst>
               <a:ext uri="{FF2B5EF4-FFF2-40B4-BE49-F238E27FC236}">
-                <a16:creationId xmlns:a16="http://schemas.microsoft.com/office/drawing/2014/main" id="{1FBADCB7-FF40-A177-05AC-D7A44D2F5EDC}"/>
+                <a16:creationId xmlns:a16="http://schemas.microsoft.com/office/drawing/2014/main" id="{263A1304-8DFB-4E7F-24B0-D0337709186B}"/>
               </a:ext>
             </a:extLst>
           </p:cNvPr>
@@ -1169,7 +1169,7 @@
           <p:cNvPr id="6" name="灯片编号占位符 5">
             <a:extLst>
               <a:ext uri="{FF2B5EF4-FFF2-40B4-BE49-F238E27FC236}">
-                <a16:creationId xmlns:a16="http://schemas.microsoft.com/office/drawing/2014/main" id="{8F61A499-00F6-5C0C-F963-911F49C804F3}"/>
+                <a16:creationId xmlns:a16="http://schemas.microsoft.com/office/drawing/2014/main" id="{F5ED37E2-C35E-275F-32D7-7A426EA6F7A9}"/>
               </a:ext>
             </a:extLst>
           </p:cNvPr>
@@ -1185,7 +1185,7 @@
           <a:bodyPr/>
           <a:lstStyle/>
           <a:p>
-            <a:fld id="{B9A1E2AB-9E9F-4C67-A6C2-F332909A542C}" type="slidenum">
+            <a:fld id="{41A9DA7D-2BD2-403E-B875-3A4FB853970D}" type="slidenum">
               <a:rPr lang="zh-CN" altLang="en-US" smtClean="0"/>
               <a:t>‹#›</a:t>
             </a:fld>
@@ -1196,7 +1196,7 @@
     </p:spTree>
     <p:extLst>
       <p:ext uri="{BB962C8B-B14F-4D97-AF65-F5344CB8AC3E}">
-        <p14:creationId xmlns:p14="http://schemas.microsoft.com/office/powerpoint/2010/main" val="1958553330"/>
+        <p14:creationId xmlns:p14="http://schemas.microsoft.com/office/powerpoint/2010/main" val="3837427549"/>
       </p:ext>
     </p:extLst>
   </p:cSld>
@@ -1228,7 +1228,7 @@
           <p:cNvPr id="2" name="标题 1">
             <a:extLst>
               <a:ext uri="{FF2B5EF4-FFF2-40B4-BE49-F238E27FC236}">
-                <a16:creationId xmlns:a16="http://schemas.microsoft.com/office/drawing/2014/main" id="{BCAFF2B8-5C44-E339-C411-32EC7C6B441C}"/>
+                <a16:creationId xmlns:a16="http://schemas.microsoft.com/office/drawing/2014/main" id="{16FDFD25-256D-2A77-2297-786C81085982}"/>
               </a:ext>
             </a:extLst>
           </p:cNvPr>
@@ -1256,7 +1256,7 @@
           <p:cNvPr id="3" name="内容占位符 2">
             <a:extLst>
               <a:ext uri="{FF2B5EF4-FFF2-40B4-BE49-F238E27FC236}">
-                <a16:creationId xmlns:a16="http://schemas.microsoft.com/office/drawing/2014/main" id="{D5EC0B60-474B-3E7A-FAB3-037DD929E26F}"/>
+                <a16:creationId xmlns:a16="http://schemas.microsoft.com/office/drawing/2014/main" id="{B796C7EF-CBBD-4C1D-724B-CBDE57730E9F}"/>
               </a:ext>
             </a:extLst>
           </p:cNvPr>
@@ -1318,7 +1318,7 @@
           <p:cNvPr id="4" name="内容占位符 3">
             <a:extLst>
               <a:ext uri="{FF2B5EF4-FFF2-40B4-BE49-F238E27FC236}">
-                <a16:creationId xmlns:a16="http://schemas.microsoft.com/office/drawing/2014/main" id="{F63F238A-D035-156C-6464-F1BB9F7464C2}"/>
+                <a16:creationId xmlns:a16="http://schemas.microsoft.com/office/drawing/2014/main" id="{824A402F-A87D-FCC2-7C1B-2E181958579C}"/>
               </a:ext>
             </a:extLst>
           </p:cNvPr>
@@ -1380,7 +1380,7 @@
           <p:cNvPr id="5" name="日期占位符 4">
             <a:extLst>
               <a:ext uri="{FF2B5EF4-FFF2-40B4-BE49-F238E27FC236}">
-                <a16:creationId xmlns:a16="http://schemas.microsoft.com/office/drawing/2014/main" id="{E872983C-AB96-E666-D0CA-C9C207F395BF}"/>
+                <a16:creationId xmlns:a16="http://schemas.microsoft.com/office/drawing/2014/main" id="{AAF675DE-FC86-3775-CD2C-6A566CA6B75E}"/>
               </a:ext>
             </a:extLst>
           </p:cNvPr>
@@ -1396,7 +1396,7 @@
           <a:bodyPr/>
           <a:lstStyle/>
           <a:p>
-            <a:fld id="{92A1D76D-FE25-4F52-928B-CB99086DC837}" type="datetimeFigureOut">
+            <a:fld id="{4066E83F-27FD-489E-9F8C-F8E6B28E539F}" type="datetimeFigureOut">
               <a:rPr lang="zh-CN" altLang="en-US" smtClean="0"/>
               <a:t>2024/3/10</a:t>
             </a:fld>
@@ -1409,7 +1409,7 @@
           <p:cNvPr id="6" name="页脚占位符 5">
             <a:extLst>
               <a:ext uri="{FF2B5EF4-FFF2-40B4-BE49-F238E27FC236}">
-                <a16:creationId xmlns:a16="http://schemas.microsoft.com/office/drawing/2014/main" id="{C340DDAF-5CE3-2BF4-5430-6447792BF15E}"/>
+                <a16:creationId xmlns:a16="http://schemas.microsoft.com/office/drawing/2014/main" id="{158880F3-D45B-A661-02A0-4A9D4D73BF10}"/>
               </a:ext>
             </a:extLst>
           </p:cNvPr>
@@ -1434,7 +1434,7 @@
           <p:cNvPr id="7" name="灯片编号占位符 6">
             <a:extLst>
               <a:ext uri="{FF2B5EF4-FFF2-40B4-BE49-F238E27FC236}">
-                <a16:creationId xmlns:a16="http://schemas.microsoft.com/office/drawing/2014/main" id="{0258209B-53B1-E1FE-034B-3CFDC231E76E}"/>
+                <a16:creationId xmlns:a16="http://schemas.microsoft.com/office/drawing/2014/main" id="{89B0FC4E-AFA0-8AE8-8503-7B83A9931051}"/>
               </a:ext>
             </a:extLst>
           </p:cNvPr>
@@ -1450,7 +1450,7 @@
           <a:bodyPr/>
           <a:lstStyle/>
           <a:p>
-            <a:fld id="{B9A1E2AB-9E9F-4C67-A6C2-F332909A542C}" type="slidenum">
+            <a:fld id="{41A9DA7D-2BD2-403E-B875-3A4FB853970D}" type="slidenum">
               <a:rPr lang="zh-CN" altLang="en-US" smtClean="0"/>
               <a:t>‹#›</a:t>
             </a:fld>
@@ -1461,7 +1461,7 @@
     </p:spTree>
     <p:extLst>
       <p:ext uri="{BB962C8B-B14F-4D97-AF65-F5344CB8AC3E}">
-        <p14:creationId xmlns:p14="http://schemas.microsoft.com/office/powerpoint/2010/main" val="335488172"/>
+        <p14:creationId xmlns:p14="http://schemas.microsoft.com/office/powerpoint/2010/main" val="896542043"/>
       </p:ext>
     </p:extLst>
   </p:cSld>
@@ -1493,7 +1493,7 @@
           <p:cNvPr id="2" name="标题 1">
             <a:extLst>
               <a:ext uri="{FF2B5EF4-FFF2-40B4-BE49-F238E27FC236}">
-                <a16:creationId xmlns:a16="http://schemas.microsoft.com/office/drawing/2014/main" id="{84982C49-8112-82AF-7FDA-B491202F3372}"/>
+                <a16:creationId xmlns:a16="http://schemas.microsoft.com/office/drawing/2014/main" id="{0E34DDD7-AB11-4A52-6051-78740C43D5FC}"/>
               </a:ext>
             </a:extLst>
           </p:cNvPr>
@@ -1526,7 +1526,7 @@
           <p:cNvPr id="3" name="文本占位符 2">
             <a:extLst>
               <a:ext uri="{FF2B5EF4-FFF2-40B4-BE49-F238E27FC236}">
-                <a16:creationId xmlns:a16="http://schemas.microsoft.com/office/drawing/2014/main" id="{25637241-1139-E913-6F3E-FC73BB9D0E50}"/>
+                <a16:creationId xmlns:a16="http://schemas.microsoft.com/office/drawing/2014/main" id="{01CA9E15-0ACE-1D85-AE13-E1873A0436DE}"/>
               </a:ext>
             </a:extLst>
           </p:cNvPr>
@@ -1597,7 +1597,7 @@
           <p:cNvPr id="4" name="内容占位符 3">
             <a:extLst>
               <a:ext uri="{FF2B5EF4-FFF2-40B4-BE49-F238E27FC236}">
-                <a16:creationId xmlns:a16="http://schemas.microsoft.com/office/drawing/2014/main" id="{EA37F117-5026-0214-16BF-651903A9225F}"/>
+                <a16:creationId xmlns:a16="http://schemas.microsoft.com/office/drawing/2014/main" id="{BF2B2681-E233-4229-0058-9E6C77E8A1F6}"/>
               </a:ext>
             </a:extLst>
           </p:cNvPr>
@@ -1659,7 +1659,7 @@
           <p:cNvPr id="5" name="文本占位符 4">
             <a:extLst>
               <a:ext uri="{FF2B5EF4-FFF2-40B4-BE49-F238E27FC236}">
-                <a16:creationId xmlns:a16="http://schemas.microsoft.com/office/drawing/2014/main" id="{DFAD3CF4-E127-4681-4964-B47B557D5497}"/>
+                <a16:creationId xmlns:a16="http://schemas.microsoft.com/office/drawing/2014/main" id="{45767D44-2B8A-D615-64A2-8AAF97E991E4}"/>
               </a:ext>
             </a:extLst>
           </p:cNvPr>
@@ -1730,7 +1730,7 @@
           <p:cNvPr id="6" name="内容占位符 5">
             <a:extLst>
               <a:ext uri="{FF2B5EF4-FFF2-40B4-BE49-F238E27FC236}">
-                <a16:creationId xmlns:a16="http://schemas.microsoft.com/office/drawing/2014/main" id="{64F20012-0D88-C997-2337-FA82444EBA5E}"/>
+                <a16:creationId xmlns:a16="http://schemas.microsoft.com/office/drawing/2014/main" id="{8FCE055B-22FB-3180-ED36-2B556E8C6949}"/>
               </a:ext>
             </a:extLst>
           </p:cNvPr>
@@ -1792,7 +1792,7 @@
           <p:cNvPr id="7" name="日期占位符 6">
             <a:extLst>
               <a:ext uri="{FF2B5EF4-FFF2-40B4-BE49-F238E27FC236}">
-                <a16:creationId xmlns:a16="http://schemas.microsoft.com/office/drawing/2014/main" id="{0B200444-7C50-AA7F-970E-D2EA1325ABB1}"/>
+                <a16:creationId xmlns:a16="http://schemas.microsoft.com/office/drawing/2014/main" id="{5FCA1B00-32B3-F884-C514-ADC9EBEB0AD8}"/>
               </a:ext>
             </a:extLst>
           </p:cNvPr>
@@ -1808,7 +1808,7 @@
           <a:bodyPr/>
           <a:lstStyle/>
           <a:p>
-            <a:fld id="{92A1D76D-FE25-4F52-928B-CB99086DC837}" type="datetimeFigureOut">
+            <a:fld id="{4066E83F-27FD-489E-9F8C-F8E6B28E539F}" type="datetimeFigureOut">
               <a:rPr lang="zh-CN" altLang="en-US" smtClean="0"/>
               <a:t>2024/3/10</a:t>
             </a:fld>
@@ -1821,7 +1821,7 @@
           <p:cNvPr id="8" name="页脚占位符 7">
             <a:extLst>
               <a:ext uri="{FF2B5EF4-FFF2-40B4-BE49-F238E27FC236}">
-                <a16:creationId xmlns:a16="http://schemas.microsoft.com/office/drawing/2014/main" id="{AF37DA5E-5D7D-8CC1-2274-4F6E0579639C}"/>
+                <a16:creationId xmlns:a16="http://schemas.microsoft.com/office/drawing/2014/main" id="{E9A53A48-99D4-BF04-0DD1-004DCDF26CAF}"/>
               </a:ext>
             </a:extLst>
           </p:cNvPr>
@@ -1846,7 +1846,7 @@
           <p:cNvPr id="9" name="灯片编号占位符 8">
             <a:extLst>
               <a:ext uri="{FF2B5EF4-FFF2-40B4-BE49-F238E27FC236}">
-                <a16:creationId xmlns:a16="http://schemas.microsoft.com/office/drawing/2014/main" id="{80A50773-1E6D-03F9-240B-AE3224CA167B}"/>
+                <a16:creationId xmlns:a16="http://schemas.microsoft.com/office/drawing/2014/main" id="{AC30A56E-2AC3-D0CC-9FF0-C21A20AFA7C1}"/>
               </a:ext>
             </a:extLst>
           </p:cNvPr>
@@ -1862,7 +1862,7 @@
           <a:bodyPr/>
           <a:lstStyle/>
           <a:p>
-            <a:fld id="{B9A1E2AB-9E9F-4C67-A6C2-F332909A542C}" type="slidenum">
+            <a:fld id="{41A9DA7D-2BD2-403E-B875-3A4FB853970D}" type="slidenum">
               <a:rPr lang="zh-CN" altLang="en-US" smtClean="0"/>
               <a:t>‹#›</a:t>
             </a:fld>
@@ -1873,7 +1873,7 @@
     </p:spTree>
     <p:extLst>
       <p:ext uri="{BB962C8B-B14F-4D97-AF65-F5344CB8AC3E}">
-        <p14:creationId xmlns:p14="http://schemas.microsoft.com/office/powerpoint/2010/main" val="3451267844"/>
+        <p14:creationId xmlns:p14="http://schemas.microsoft.com/office/powerpoint/2010/main" val="4100776359"/>
       </p:ext>
     </p:extLst>
   </p:cSld>
@@ -1905,7 +1905,7 @@
           <p:cNvPr id="2" name="标题 1">
             <a:extLst>
               <a:ext uri="{FF2B5EF4-FFF2-40B4-BE49-F238E27FC236}">
-                <a16:creationId xmlns:a16="http://schemas.microsoft.com/office/drawing/2014/main" id="{EC995087-236F-DBD1-1B81-29545145245A}"/>
+                <a16:creationId xmlns:a16="http://schemas.microsoft.com/office/drawing/2014/main" id="{420F0A58-15B4-6A5A-F97C-5877D1F76F1D}"/>
               </a:ext>
             </a:extLst>
           </p:cNvPr>
@@ -1933,7 +1933,7 @@
           <p:cNvPr id="3" name="日期占位符 2">
             <a:extLst>
               <a:ext uri="{FF2B5EF4-FFF2-40B4-BE49-F238E27FC236}">
-                <a16:creationId xmlns:a16="http://schemas.microsoft.com/office/drawing/2014/main" id="{EC39093C-3EE6-7CF0-9205-A5936711E358}"/>
+                <a16:creationId xmlns:a16="http://schemas.microsoft.com/office/drawing/2014/main" id="{372CD6C9-53BF-5720-018D-137C9B417210}"/>
               </a:ext>
             </a:extLst>
           </p:cNvPr>
@@ -1949,7 +1949,7 @@
           <a:bodyPr/>
           <a:lstStyle/>
           <a:p>
-            <a:fld id="{92A1D76D-FE25-4F52-928B-CB99086DC837}" type="datetimeFigureOut">
+            <a:fld id="{4066E83F-27FD-489E-9F8C-F8E6B28E539F}" type="datetimeFigureOut">
               <a:rPr lang="zh-CN" altLang="en-US" smtClean="0"/>
               <a:t>2024/3/10</a:t>
             </a:fld>
@@ -1962,7 +1962,7 @@
           <p:cNvPr id="4" name="页脚占位符 3">
             <a:extLst>
               <a:ext uri="{FF2B5EF4-FFF2-40B4-BE49-F238E27FC236}">
-                <a16:creationId xmlns:a16="http://schemas.microsoft.com/office/drawing/2014/main" id="{467150A3-1794-1DB9-77BF-53E9519DF797}"/>
+                <a16:creationId xmlns:a16="http://schemas.microsoft.com/office/drawing/2014/main" id="{57B36F28-C391-3AE7-6992-9C205B7F0941}"/>
               </a:ext>
             </a:extLst>
           </p:cNvPr>
@@ -1987,7 +1987,7 @@
           <p:cNvPr id="5" name="灯片编号占位符 4">
             <a:extLst>
               <a:ext uri="{FF2B5EF4-FFF2-40B4-BE49-F238E27FC236}">
-                <a16:creationId xmlns:a16="http://schemas.microsoft.com/office/drawing/2014/main" id="{C50230B4-E370-7FE7-C833-57D023C1512E}"/>
+                <a16:creationId xmlns:a16="http://schemas.microsoft.com/office/drawing/2014/main" id="{4A20D435-4EF5-8A92-9E9B-7EB2476324CD}"/>
               </a:ext>
             </a:extLst>
           </p:cNvPr>
@@ -2003,7 +2003,7 @@
           <a:bodyPr/>
           <a:lstStyle/>
           <a:p>
-            <a:fld id="{B9A1E2AB-9E9F-4C67-A6C2-F332909A542C}" type="slidenum">
+            <a:fld id="{41A9DA7D-2BD2-403E-B875-3A4FB853970D}" type="slidenum">
               <a:rPr lang="zh-CN" altLang="en-US" smtClean="0"/>
               <a:t>‹#›</a:t>
             </a:fld>
@@ -2014,7 +2014,7 @@
     </p:spTree>
     <p:extLst>
       <p:ext uri="{BB962C8B-B14F-4D97-AF65-F5344CB8AC3E}">
-        <p14:creationId xmlns:p14="http://schemas.microsoft.com/office/powerpoint/2010/main" val="591702519"/>
+        <p14:creationId xmlns:p14="http://schemas.microsoft.com/office/powerpoint/2010/main" val="1020847632"/>
       </p:ext>
     </p:extLst>
   </p:cSld>
@@ -2046,7 +2046,7 @@
           <p:cNvPr id="2" name="日期占位符 1">
             <a:extLst>
               <a:ext uri="{FF2B5EF4-FFF2-40B4-BE49-F238E27FC236}">
-                <a16:creationId xmlns:a16="http://schemas.microsoft.com/office/drawing/2014/main" id="{559677A8-30C4-FE6A-07AA-4F8904E5AF49}"/>
+                <a16:creationId xmlns:a16="http://schemas.microsoft.com/office/drawing/2014/main" id="{F85EA568-5628-B159-E53F-88BBD6691FD9}"/>
               </a:ext>
             </a:extLst>
           </p:cNvPr>
@@ -2062,7 +2062,7 @@
           <a:bodyPr/>
           <a:lstStyle/>
           <a:p>
-            <a:fld id="{92A1D76D-FE25-4F52-928B-CB99086DC837}" type="datetimeFigureOut">
+            <a:fld id="{4066E83F-27FD-489E-9F8C-F8E6B28E539F}" type="datetimeFigureOut">
               <a:rPr lang="zh-CN" altLang="en-US" smtClean="0"/>
               <a:t>2024/3/10</a:t>
             </a:fld>
@@ -2075,7 +2075,7 @@
           <p:cNvPr id="3" name="页脚占位符 2">
             <a:extLst>
               <a:ext uri="{FF2B5EF4-FFF2-40B4-BE49-F238E27FC236}">
-                <a16:creationId xmlns:a16="http://schemas.microsoft.com/office/drawing/2014/main" id="{74EFB92B-B079-E49F-BE78-E9C7530CB40A}"/>
+                <a16:creationId xmlns:a16="http://schemas.microsoft.com/office/drawing/2014/main" id="{C8510254-6E50-6645-1DF9-BA97A661D3A1}"/>
               </a:ext>
             </a:extLst>
           </p:cNvPr>
@@ -2100,7 +2100,7 @@
           <p:cNvPr id="4" name="灯片编号占位符 3">
             <a:extLst>
               <a:ext uri="{FF2B5EF4-FFF2-40B4-BE49-F238E27FC236}">
-                <a16:creationId xmlns:a16="http://schemas.microsoft.com/office/drawing/2014/main" id="{37D5AC35-5787-33DD-10CF-5A3C039ED1B1}"/>
+                <a16:creationId xmlns:a16="http://schemas.microsoft.com/office/drawing/2014/main" id="{FFD5EF1E-06DB-0672-BC0E-70D91E84D467}"/>
               </a:ext>
             </a:extLst>
           </p:cNvPr>
@@ -2116,7 +2116,7 @@
           <a:bodyPr/>
           <a:lstStyle/>
           <a:p>
-            <a:fld id="{B9A1E2AB-9E9F-4C67-A6C2-F332909A542C}" type="slidenum">
+            <a:fld id="{41A9DA7D-2BD2-403E-B875-3A4FB853970D}" type="slidenum">
               <a:rPr lang="zh-CN" altLang="en-US" smtClean="0"/>
               <a:t>‹#›</a:t>
             </a:fld>
@@ -2127,7 +2127,7 @@
     </p:spTree>
     <p:extLst>
       <p:ext uri="{BB962C8B-B14F-4D97-AF65-F5344CB8AC3E}">
-        <p14:creationId xmlns:p14="http://schemas.microsoft.com/office/powerpoint/2010/main" val="534883310"/>
+        <p14:creationId xmlns:p14="http://schemas.microsoft.com/office/powerpoint/2010/main" val="1563721971"/>
       </p:ext>
     </p:extLst>
   </p:cSld>
@@ -2159,7 +2159,7 @@
           <p:cNvPr id="2" name="标题 1">
             <a:extLst>
               <a:ext uri="{FF2B5EF4-FFF2-40B4-BE49-F238E27FC236}">
-                <a16:creationId xmlns:a16="http://schemas.microsoft.com/office/drawing/2014/main" id="{685EC62F-17D8-EF50-CCF7-8CF49CC02791}"/>
+                <a16:creationId xmlns:a16="http://schemas.microsoft.com/office/drawing/2014/main" id="{78C7E858-5D2E-591E-8F23-39B42B8407F9}"/>
               </a:ext>
             </a:extLst>
           </p:cNvPr>
@@ -2196,7 +2196,7 @@
           <p:cNvPr id="3" name="内容占位符 2">
             <a:extLst>
               <a:ext uri="{FF2B5EF4-FFF2-40B4-BE49-F238E27FC236}">
-                <a16:creationId xmlns:a16="http://schemas.microsoft.com/office/drawing/2014/main" id="{3FF16695-03EF-ACA7-2B43-FB846D8B3684}"/>
+                <a16:creationId xmlns:a16="http://schemas.microsoft.com/office/drawing/2014/main" id="{28B373DA-B35B-F77E-76AA-1845E2C13717}"/>
               </a:ext>
             </a:extLst>
           </p:cNvPr>
@@ -2286,7 +2286,7 @@
           <p:cNvPr id="4" name="文本占位符 3">
             <a:extLst>
               <a:ext uri="{FF2B5EF4-FFF2-40B4-BE49-F238E27FC236}">
-                <a16:creationId xmlns:a16="http://schemas.microsoft.com/office/drawing/2014/main" id="{35D0DF5F-27BC-0CA8-15FA-C127CEFDDCD0}"/>
+                <a16:creationId xmlns:a16="http://schemas.microsoft.com/office/drawing/2014/main" id="{F11A35E2-E3E9-9DBA-8E55-A7FC53C01AEB}"/>
               </a:ext>
             </a:extLst>
           </p:cNvPr>
@@ -2357,7 +2357,7 @@
           <p:cNvPr id="5" name="日期占位符 4">
             <a:extLst>
               <a:ext uri="{FF2B5EF4-FFF2-40B4-BE49-F238E27FC236}">
-                <a16:creationId xmlns:a16="http://schemas.microsoft.com/office/drawing/2014/main" id="{9126663A-9FAE-3224-63DD-FA8327311BDE}"/>
+                <a16:creationId xmlns:a16="http://schemas.microsoft.com/office/drawing/2014/main" id="{236B2C5C-55B8-5DAF-C7CE-26E5048C8085}"/>
               </a:ext>
             </a:extLst>
           </p:cNvPr>
@@ -2373,7 +2373,7 @@
           <a:bodyPr/>
           <a:lstStyle/>
           <a:p>
-            <a:fld id="{92A1D76D-FE25-4F52-928B-CB99086DC837}" type="datetimeFigureOut">
+            <a:fld id="{4066E83F-27FD-489E-9F8C-F8E6B28E539F}" type="datetimeFigureOut">
               <a:rPr lang="zh-CN" altLang="en-US" smtClean="0"/>
               <a:t>2024/3/10</a:t>
             </a:fld>
@@ -2386,7 +2386,7 @@
           <p:cNvPr id="6" name="页脚占位符 5">
             <a:extLst>
               <a:ext uri="{FF2B5EF4-FFF2-40B4-BE49-F238E27FC236}">
-                <a16:creationId xmlns:a16="http://schemas.microsoft.com/office/drawing/2014/main" id="{C4ADC26E-F83C-B00D-B1EB-1BDDD217D70D}"/>
+                <a16:creationId xmlns:a16="http://schemas.microsoft.com/office/drawing/2014/main" id="{63802842-E5F4-9742-2AF2-CD01147D6569}"/>
               </a:ext>
             </a:extLst>
           </p:cNvPr>
@@ -2411,7 +2411,7 @@
           <p:cNvPr id="7" name="灯片编号占位符 6">
             <a:extLst>
               <a:ext uri="{FF2B5EF4-FFF2-40B4-BE49-F238E27FC236}">
-                <a16:creationId xmlns:a16="http://schemas.microsoft.com/office/drawing/2014/main" id="{8396C2B7-E52B-EF33-A748-E765317BB73E}"/>
+                <a16:creationId xmlns:a16="http://schemas.microsoft.com/office/drawing/2014/main" id="{5355149F-974D-8ABF-8A18-53D27B5148AC}"/>
               </a:ext>
             </a:extLst>
           </p:cNvPr>
@@ -2427,7 +2427,7 @@
           <a:bodyPr/>
           <a:lstStyle/>
           <a:p>
-            <a:fld id="{B9A1E2AB-9E9F-4C67-A6C2-F332909A542C}" type="slidenum">
+            <a:fld id="{41A9DA7D-2BD2-403E-B875-3A4FB853970D}" type="slidenum">
               <a:rPr lang="zh-CN" altLang="en-US" smtClean="0"/>
               <a:t>‹#›</a:t>
             </a:fld>
@@ -2438,7 +2438,7 @@
     </p:spTree>
     <p:extLst>
       <p:ext uri="{BB962C8B-B14F-4D97-AF65-F5344CB8AC3E}">
-        <p14:creationId xmlns:p14="http://schemas.microsoft.com/office/powerpoint/2010/main" val="2204127580"/>
+        <p14:creationId xmlns:p14="http://schemas.microsoft.com/office/powerpoint/2010/main" val="3478590919"/>
       </p:ext>
     </p:extLst>
   </p:cSld>
@@ -2470,7 +2470,7 @@
           <p:cNvPr id="2" name="标题 1">
             <a:extLst>
               <a:ext uri="{FF2B5EF4-FFF2-40B4-BE49-F238E27FC236}">
-                <a16:creationId xmlns:a16="http://schemas.microsoft.com/office/drawing/2014/main" id="{A0270142-C1F8-2483-0EB5-E02D7B1720B4}"/>
+                <a16:creationId xmlns:a16="http://schemas.microsoft.com/office/drawing/2014/main" id="{DAFC035A-71FD-231D-49FF-2FD052990CA5}"/>
               </a:ext>
             </a:extLst>
           </p:cNvPr>
@@ -2507,7 +2507,7 @@
           <p:cNvPr id="3" name="图片占位符 2">
             <a:extLst>
               <a:ext uri="{FF2B5EF4-FFF2-40B4-BE49-F238E27FC236}">
-                <a16:creationId xmlns:a16="http://schemas.microsoft.com/office/drawing/2014/main" id="{7F4F4017-A1E5-72CA-5FED-E2A76334E84D}"/>
+                <a16:creationId xmlns:a16="http://schemas.microsoft.com/office/drawing/2014/main" id="{24AFFBDE-FF94-45DA-F396-47ED134C4E35}"/>
               </a:ext>
             </a:extLst>
           </p:cNvPr>
@@ -2574,7 +2574,7 @@
           <p:cNvPr id="4" name="文本占位符 3">
             <a:extLst>
               <a:ext uri="{FF2B5EF4-FFF2-40B4-BE49-F238E27FC236}">
-                <a16:creationId xmlns:a16="http://schemas.microsoft.com/office/drawing/2014/main" id="{0BB19472-332B-A12D-EDF6-3B3BE5DA2F54}"/>
+                <a16:creationId xmlns:a16="http://schemas.microsoft.com/office/drawing/2014/main" id="{C442ABEC-FCB9-196D-25DA-1D821D2E2E7C}"/>
               </a:ext>
             </a:extLst>
           </p:cNvPr>
@@ -2645,7 +2645,7 @@
           <p:cNvPr id="5" name="日期占位符 4">
             <a:extLst>
               <a:ext uri="{FF2B5EF4-FFF2-40B4-BE49-F238E27FC236}">
-                <a16:creationId xmlns:a16="http://schemas.microsoft.com/office/drawing/2014/main" id="{7B754DA9-F8D7-3E71-3D43-1400669962F3}"/>
+                <a16:creationId xmlns:a16="http://schemas.microsoft.com/office/drawing/2014/main" id="{7B86A042-731E-64EA-434F-A7CFCFD89AB0}"/>
               </a:ext>
             </a:extLst>
           </p:cNvPr>
@@ -2661,7 +2661,7 @@
           <a:bodyPr/>
           <a:lstStyle/>
           <a:p>
-            <a:fld id="{92A1D76D-FE25-4F52-928B-CB99086DC837}" type="datetimeFigureOut">
+            <a:fld id="{4066E83F-27FD-489E-9F8C-F8E6B28E539F}" type="datetimeFigureOut">
               <a:rPr lang="zh-CN" altLang="en-US" smtClean="0"/>
               <a:t>2024/3/10</a:t>
             </a:fld>
@@ -2674,7 +2674,7 @@
           <p:cNvPr id="6" name="页脚占位符 5">
             <a:extLst>
               <a:ext uri="{FF2B5EF4-FFF2-40B4-BE49-F238E27FC236}">
-                <a16:creationId xmlns:a16="http://schemas.microsoft.com/office/drawing/2014/main" id="{02DA994E-897F-BE1A-43B4-8CBB4A13ADF6}"/>
+                <a16:creationId xmlns:a16="http://schemas.microsoft.com/office/drawing/2014/main" id="{C9E33BAA-F512-51A6-C9FE-59FC7BEB443D}"/>
               </a:ext>
             </a:extLst>
           </p:cNvPr>
@@ -2699,7 +2699,7 @@
           <p:cNvPr id="7" name="灯片编号占位符 6">
             <a:extLst>
               <a:ext uri="{FF2B5EF4-FFF2-40B4-BE49-F238E27FC236}">
-                <a16:creationId xmlns:a16="http://schemas.microsoft.com/office/drawing/2014/main" id="{D185FC33-D381-655E-B0B8-DA5152EDD4DB}"/>
+                <a16:creationId xmlns:a16="http://schemas.microsoft.com/office/drawing/2014/main" id="{E3B4BE34-ADC0-4B8D-3D1C-365793732304}"/>
               </a:ext>
             </a:extLst>
           </p:cNvPr>
@@ -2715,7 +2715,7 @@
           <a:bodyPr/>
           <a:lstStyle/>
           <a:p>
-            <a:fld id="{B9A1E2AB-9E9F-4C67-A6C2-F332909A542C}" type="slidenum">
+            <a:fld id="{41A9DA7D-2BD2-403E-B875-3A4FB853970D}" type="slidenum">
               <a:rPr lang="zh-CN" altLang="en-US" smtClean="0"/>
               <a:t>‹#›</a:t>
             </a:fld>
@@ -2726,7 +2726,7 @@
     </p:spTree>
     <p:extLst>
       <p:ext uri="{BB962C8B-B14F-4D97-AF65-F5344CB8AC3E}">
-        <p14:creationId xmlns:p14="http://schemas.microsoft.com/office/powerpoint/2010/main" val="922986728"/>
+        <p14:creationId xmlns:p14="http://schemas.microsoft.com/office/powerpoint/2010/main" val="3863033723"/>
       </p:ext>
     </p:extLst>
   </p:cSld>
@@ -2763,7 +2763,7 @@
           <p:cNvPr id="2" name="标题占位符 1">
             <a:extLst>
               <a:ext uri="{FF2B5EF4-FFF2-40B4-BE49-F238E27FC236}">
-                <a16:creationId xmlns:a16="http://schemas.microsoft.com/office/drawing/2014/main" id="{25AC77E2-CDDD-961B-40C6-ECE001310E35}"/>
+                <a16:creationId xmlns:a16="http://schemas.microsoft.com/office/drawing/2014/main" id="{1AF19A1B-0342-A6A7-E627-FC65ED37D98A}"/>
               </a:ext>
             </a:extLst>
           </p:cNvPr>
@@ -2801,7 +2801,7 @@
           <p:cNvPr id="3" name="文本占位符 2">
             <a:extLst>
               <a:ext uri="{FF2B5EF4-FFF2-40B4-BE49-F238E27FC236}">
-                <a16:creationId xmlns:a16="http://schemas.microsoft.com/office/drawing/2014/main" id="{4CA679F2-AB49-71D5-3A6A-D61609058B47}"/>
+                <a16:creationId xmlns:a16="http://schemas.microsoft.com/office/drawing/2014/main" id="{EBD5526B-8E5C-61EC-D518-092B5EEF8F03}"/>
               </a:ext>
             </a:extLst>
           </p:cNvPr>
@@ -2868,7 +2868,7 @@
           <p:cNvPr id="4" name="日期占位符 3">
             <a:extLst>
               <a:ext uri="{FF2B5EF4-FFF2-40B4-BE49-F238E27FC236}">
-                <a16:creationId xmlns:a16="http://schemas.microsoft.com/office/drawing/2014/main" id="{72397514-2358-FACA-6430-14928127BCBC}"/>
+                <a16:creationId xmlns:a16="http://schemas.microsoft.com/office/drawing/2014/main" id="{A5C90589-EFF3-9550-816E-515186246662}"/>
               </a:ext>
             </a:extLst>
           </p:cNvPr>
@@ -2902,7 +2902,7 @@
             </a:lvl1pPr>
           </a:lstStyle>
           <a:p>
-            <a:fld id="{92A1D76D-FE25-4F52-928B-CB99086DC837}" type="datetimeFigureOut">
+            <a:fld id="{4066E83F-27FD-489E-9F8C-F8E6B28E539F}" type="datetimeFigureOut">
               <a:rPr lang="zh-CN" altLang="en-US" smtClean="0"/>
               <a:t>2024/3/10</a:t>
             </a:fld>
@@ -2915,7 +2915,7 @@
           <p:cNvPr id="5" name="页脚占位符 4">
             <a:extLst>
               <a:ext uri="{FF2B5EF4-FFF2-40B4-BE49-F238E27FC236}">
-                <a16:creationId xmlns:a16="http://schemas.microsoft.com/office/drawing/2014/main" id="{ABD8BB7A-1F0A-0C06-2226-13BCD3638914}"/>
+                <a16:creationId xmlns:a16="http://schemas.microsoft.com/office/drawing/2014/main" id="{F398F20C-ED9E-BB3E-0AD3-357FCDF16531}"/>
               </a:ext>
             </a:extLst>
           </p:cNvPr>
@@ -2958,7 +2958,7 @@
           <p:cNvPr id="6" name="灯片编号占位符 5">
             <a:extLst>
               <a:ext uri="{FF2B5EF4-FFF2-40B4-BE49-F238E27FC236}">
-                <a16:creationId xmlns:a16="http://schemas.microsoft.com/office/drawing/2014/main" id="{4CE778A5-554E-43CD-233E-6FC8D16165A6}"/>
+                <a16:creationId xmlns:a16="http://schemas.microsoft.com/office/drawing/2014/main" id="{F76FFF1F-C856-FC14-BFD9-D7FCCE90E4DB}"/>
               </a:ext>
             </a:extLst>
           </p:cNvPr>
@@ -2992,7 +2992,7 @@
             </a:lvl1pPr>
           </a:lstStyle>
           <a:p>
-            <a:fld id="{B9A1E2AB-9E9F-4C67-A6C2-F332909A542C}" type="slidenum">
+            <a:fld id="{41A9DA7D-2BD2-403E-B875-3A4FB853970D}" type="slidenum">
               <a:rPr lang="zh-CN" altLang="en-US" smtClean="0"/>
               <a:t>‹#›</a:t>
             </a:fld>
@@ -3003,7 +3003,7 @@
     </p:spTree>
     <p:extLst>
       <p:ext uri="{BB962C8B-B14F-4D97-AF65-F5344CB8AC3E}">
-        <p14:creationId xmlns:p14="http://schemas.microsoft.com/office/powerpoint/2010/main" val="906811593"/>
+        <p14:creationId xmlns:p14="http://schemas.microsoft.com/office/powerpoint/2010/main" val="856079669"/>
       </p:ext>
     </p:extLst>
   </p:cSld>
@@ -3323,7 +3323,7 @@
       </p:grpSpPr>
       <p:pic>
         <p:nvPicPr>
-          <p:cNvPr id="1053698" name="Picture 2" descr="1028"/>
+          <p:cNvPr id="1054722" name="Picture 2" descr="1029"/>
           <p:cNvPicPr>
             <a:picLocks noChangeAspect="1" noChangeArrowheads="1"/>
           </p:cNvPicPr>
@@ -3344,8 +3344,8 @@
         </p:blipFill>
         <p:spPr bwMode="auto">
           <a:xfrm>
-            <a:off x="1524001" y="0"/>
-            <a:ext cx="9053513" cy="6789738"/>
+            <a:off x="1543050" y="1"/>
+            <a:ext cx="9124950" cy="6843713"/>
           </a:xfrm>
           <a:prstGeom prst="rect">
             <a:avLst/>
